--- a/docs/userguide/fun/_images/core-concepts/philosophy/build-vs-buy.pptx
+++ b/docs/userguide/fun/_images/core-concepts/philosophy/build-vs-buy.pptx
@@ -104,6 +104,22 @@
       </a:defRPr>
     </a:lvl9pPr>
   </p:defaultTextStyle>
+  <p:extLst>
+    <p:ext uri="{EFAFB233-063F-42B5-8137-9DF3F51BA10A}">
+      <p15:sldGuideLst xmlns:p15="http://schemas.microsoft.com/office/powerpoint/2012/main">
+        <p15:guide id="1" orient="horz" pos="2160">
+          <p15:clr>
+            <a:srgbClr val="A4A3A4"/>
+          </p15:clr>
+        </p15:guide>
+        <p15:guide id="2" pos="2880">
+          <p15:clr>
+            <a:srgbClr val="A4A3A4"/>
+          </p15:clr>
+        </p15:guide>
+      </p15:sldGuideLst>
+    </p:ext>
+  </p:extLst>
 </p:presentation>
 </file>
 
@@ -145,7 +161,7 @@
           <a:lstStyle/>
           <a:p>
             <a:r>
-              <a:rPr lang="en-US" smtClean="0"/>
+              <a:rPr lang="en-US"/>
               <a:t>Click to edit Master title style</a:t>
             </a:r>
             <a:endParaRPr lang="en-GB"/>
@@ -264,7 +280,7 @@
           </a:lstStyle>
           <a:p>
             <a:r>
-              <a:rPr lang="en-US" smtClean="0"/>
+              <a:rPr lang="en-US"/>
               <a:t>Click to edit Master subtitle style</a:t>
             </a:r>
             <a:endParaRPr lang="en-GB"/>
@@ -288,7 +304,7 @@
           <a:p>
             <a:fld id="{DAB9EAEC-4E48-435E-959A-9D21A8A8915D}" type="datetimeFigureOut">
               <a:rPr lang="en-GB" smtClean="0"/>
-              <a:t>05/04/2017</a:t>
+              <a:t>28/01/2020</a:t>
             </a:fld>
             <a:endParaRPr lang="en-GB"/>
           </a:p>
@@ -382,7 +398,7 @@
           <a:lstStyle/>
           <a:p>
             <a:r>
-              <a:rPr lang="en-US" smtClean="0"/>
+              <a:rPr lang="en-US"/>
               <a:t>Click to edit Master title style</a:t>
             </a:r>
             <a:endParaRPr lang="en-GB"/>
@@ -406,35 +422,35 @@
           <a:p>
             <a:pPr lvl="0"/>
             <a:r>
-              <a:rPr lang="en-US" smtClean="0"/>
+              <a:rPr lang="en-US"/>
               <a:t>Click to edit Master text styles</a:t>
             </a:r>
           </a:p>
           <a:p>
             <a:pPr lvl="1"/>
             <a:r>
-              <a:rPr lang="en-US" smtClean="0"/>
+              <a:rPr lang="en-US"/>
               <a:t>Second level</a:t>
             </a:r>
           </a:p>
           <a:p>
             <a:pPr lvl="2"/>
             <a:r>
-              <a:rPr lang="en-US" smtClean="0"/>
+              <a:rPr lang="en-US"/>
               <a:t>Third level</a:t>
             </a:r>
           </a:p>
           <a:p>
             <a:pPr lvl="3"/>
             <a:r>
-              <a:rPr lang="en-US" smtClean="0"/>
+              <a:rPr lang="en-US"/>
               <a:t>Fourth level</a:t>
             </a:r>
           </a:p>
           <a:p>
             <a:pPr lvl="4"/>
             <a:r>
-              <a:rPr lang="en-US" smtClean="0"/>
+              <a:rPr lang="en-US"/>
               <a:t>Fifth level</a:t>
             </a:r>
             <a:endParaRPr lang="en-GB"/>
@@ -458,7 +474,7 @@
           <a:p>
             <a:fld id="{DAB9EAEC-4E48-435E-959A-9D21A8A8915D}" type="datetimeFigureOut">
               <a:rPr lang="en-GB" smtClean="0"/>
-              <a:t>05/04/2017</a:t>
+              <a:t>28/01/2020</a:t>
             </a:fld>
             <a:endParaRPr lang="en-GB"/>
           </a:p>
@@ -557,7 +573,7 @@
           <a:lstStyle/>
           <a:p>
             <a:r>
-              <a:rPr lang="en-US" smtClean="0"/>
+              <a:rPr lang="en-US"/>
               <a:t>Click to edit Master title style</a:t>
             </a:r>
             <a:endParaRPr lang="en-GB"/>
@@ -586,35 +602,35 @@
           <a:p>
             <a:pPr lvl="0"/>
             <a:r>
-              <a:rPr lang="en-US" smtClean="0"/>
+              <a:rPr lang="en-US"/>
               <a:t>Click to edit Master text styles</a:t>
             </a:r>
           </a:p>
           <a:p>
             <a:pPr lvl="1"/>
             <a:r>
-              <a:rPr lang="en-US" smtClean="0"/>
+              <a:rPr lang="en-US"/>
               <a:t>Second level</a:t>
             </a:r>
           </a:p>
           <a:p>
             <a:pPr lvl="2"/>
             <a:r>
-              <a:rPr lang="en-US" smtClean="0"/>
+              <a:rPr lang="en-US"/>
               <a:t>Third level</a:t>
             </a:r>
           </a:p>
           <a:p>
             <a:pPr lvl="3"/>
             <a:r>
-              <a:rPr lang="en-US" smtClean="0"/>
+              <a:rPr lang="en-US"/>
               <a:t>Fourth level</a:t>
             </a:r>
           </a:p>
           <a:p>
             <a:pPr lvl="4"/>
             <a:r>
-              <a:rPr lang="en-US" smtClean="0"/>
+              <a:rPr lang="en-US"/>
               <a:t>Fifth level</a:t>
             </a:r>
             <a:endParaRPr lang="en-GB"/>
@@ -638,7 +654,7 @@
           <a:p>
             <a:fld id="{DAB9EAEC-4E48-435E-959A-9D21A8A8915D}" type="datetimeFigureOut">
               <a:rPr lang="en-GB" smtClean="0"/>
-              <a:t>05/04/2017</a:t>
+              <a:t>28/01/2020</a:t>
             </a:fld>
             <a:endParaRPr lang="en-GB"/>
           </a:p>
@@ -732,7 +748,7 @@
           <a:lstStyle/>
           <a:p>
             <a:r>
-              <a:rPr lang="en-US" smtClean="0"/>
+              <a:rPr lang="en-US"/>
               <a:t>Click to edit Master title style</a:t>
             </a:r>
             <a:endParaRPr lang="en-GB"/>
@@ -756,35 +772,35 @@
           <a:p>
             <a:pPr lvl="0"/>
             <a:r>
-              <a:rPr lang="en-US" smtClean="0"/>
+              <a:rPr lang="en-US"/>
               <a:t>Click to edit Master text styles</a:t>
             </a:r>
           </a:p>
           <a:p>
             <a:pPr lvl="1"/>
             <a:r>
-              <a:rPr lang="en-US" smtClean="0"/>
+              <a:rPr lang="en-US"/>
               <a:t>Second level</a:t>
             </a:r>
           </a:p>
           <a:p>
             <a:pPr lvl="2"/>
             <a:r>
-              <a:rPr lang="en-US" smtClean="0"/>
+              <a:rPr lang="en-US"/>
               <a:t>Third level</a:t>
             </a:r>
           </a:p>
           <a:p>
             <a:pPr lvl="3"/>
             <a:r>
-              <a:rPr lang="en-US" smtClean="0"/>
+              <a:rPr lang="en-US"/>
               <a:t>Fourth level</a:t>
             </a:r>
           </a:p>
           <a:p>
             <a:pPr lvl="4"/>
             <a:r>
-              <a:rPr lang="en-US" smtClean="0"/>
+              <a:rPr lang="en-US"/>
               <a:t>Fifth level</a:t>
             </a:r>
             <a:endParaRPr lang="en-GB"/>
@@ -808,7 +824,7 @@
           <a:p>
             <a:fld id="{DAB9EAEC-4E48-435E-959A-9D21A8A8915D}" type="datetimeFigureOut">
               <a:rPr lang="en-GB" smtClean="0"/>
-              <a:t>05/04/2017</a:t>
+              <a:t>28/01/2020</a:t>
             </a:fld>
             <a:endParaRPr lang="en-GB"/>
           </a:p>
@@ -911,7 +927,7 @@
           </a:lstStyle>
           <a:p>
             <a:r>
-              <a:rPr lang="en-US" smtClean="0"/>
+              <a:rPr lang="en-US"/>
               <a:t>Click to edit Master title style</a:t>
             </a:r>
             <a:endParaRPr lang="en-GB"/>
@@ -1031,7 +1047,7 @@
           <a:p>
             <a:pPr lvl="0"/>
             <a:r>
-              <a:rPr lang="en-US" smtClean="0"/>
+              <a:rPr lang="en-US"/>
               <a:t>Click to edit Master text styles</a:t>
             </a:r>
           </a:p>
@@ -1054,7 +1070,7 @@
           <a:p>
             <a:fld id="{DAB9EAEC-4E48-435E-959A-9D21A8A8915D}" type="datetimeFigureOut">
               <a:rPr lang="en-GB" smtClean="0"/>
-              <a:t>05/04/2017</a:t>
+              <a:t>28/01/2020</a:t>
             </a:fld>
             <a:endParaRPr lang="en-GB"/>
           </a:p>
@@ -1148,7 +1164,7 @@
           <a:lstStyle/>
           <a:p>
             <a:r>
-              <a:rPr lang="en-US" smtClean="0"/>
+              <a:rPr lang="en-US"/>
               <a:t>Click to edit Master title style</a:t>
             </a:r>
             <a:endParaRPr lang="en-GB"/>
@@ -1205,35 +1221,35 @@
           <a:p>
             <a:pPr lvl="0"/>
             <a:r>
-              <a:rPr lang="en-US" smtClean="0"/>
+              <a:rPr lang="en-US"/>
               <a:t>Click to edit Master text styles</a:t>
             </a:r>
           </a:p>
           <a:p>
             <a:pPr lvl="1"/>
             <a:r>
-              <a:rPr lang="en-US" smtClean="0"/>
+              <a:rPr lang="en-US"/>
               <a:t>Second level</a:t>
             </a:r>
           </a:p>
           <a:p>
             <a:pPr lvl="2"/>
             <a:r>
-              <a:rPr lang="en-US" smtClean="0"/>
+              <a:rPr lang="en-US"/>
               <a:t>Third level</a:t>
             </a:r>
           </a:p>
           <a:p>
             <a:pPr lvl="3"/>
             <a:r>
-              <a:rPr lang="en-US" smtClean="0"/>
+              <a:rPr lang="en-US"/>
               <a:t>Fourth level</a:t>
             </a:r>
           </a:p>
           <a:p>
             <a:pPr lvl="4"/>
             <a:r>
-              <a:rPr lang="en-US" smtClean="0"/>
+              <a:rPr lang="en-US"/>
               <a:t>Fifth level</a:t>
             </a:r>
             <a:endParaRPr lang="en-GB"/>
@@ -1290,35 +1306,35 @@
           <a:p>
             <a:pPr lvl="0"/>
             <a:r>
-              <a:rPr lang="en-US" smtClean="0"/>
+              <a:rPr lang="en-US"/>
               <a:t>Click to edit Master text styles</a:t>
             </a:r>
           </a:p>
           <a:p>
             <a:pPr lvl="1"/>
             <a:r>
-              <a:rPr lang="en-US" smtClean="0"/>
+              <a:rPr lang="en-US"/>
               <a:t>Second level</a:t>
             </a:r>
           </a:p>
           <a:p>
             <a:pPr lvl="2"/>
             <a:r>
-              <a:rPr lang="en-US" smtClean="0"/>
+              <a:rPr lang="en-US"/>
               <a:t>Third level</a:t>
             </a:r>
           </a:p>
           <a:p>
             <a:pPr lvl="3"/>
             <a:r>
-              <a:rPr lang="en-US" smtClean="0"/>
+              <a:rPr lang="en-US"/>
               <a:t>Fourth level</a:t>
             </a:r>
           </a:p>
           <a:p>
             <a:pPr lvl="4"/>
             <a:r>
-              <a:rPr lang="en-US" smtClean="0"/>
+              <a:rPr lang="en-US"/>
               <a:t>Fifth level</a:t>
             </a:r>
             <a:endParaRPr lang="en-GB"/>
@@ -1342,7 +1358,7 @@
           <a:p>
             <a:fld id="{DAB9EAEC-4E48-435E-959A-9D21A8A8915D}" type="datetimeFigureOut">
               <a:rPr lang="en-GB" smtClean="0"/>
-              <a:t>05/04/2017</a:t>
+              <a:t>28/01/2020</a:t>
             </a:fld>
             <a:endParaRPr lang="en-GB"/>
           </a:p>
@@ -1440,7 +1456,7 @@
           </a:lstStyle>
           <a:p>
             <a:r>
-              <a:rPr lang="en-US" smtClean="0"/>
+              <a:rPr lang="en-US"/>
               <a:t>Click to edit Master title style</a:t>
             </a:r>
             <a:endParaRPr lang="en-GB"/>
@@ -1506,7 +1522,7 @@
           <a:p>
             <a:pPr lvl="0"/>
             <a:r>
-              <a:rPr lang="en-US" smtClean="0"/>
+              <a:rPr lang="en-US"/>
               <a:t>Click to edit Master text styles</a:t>
             </a:r>
           </a:p>
@@ -1562,35 +1578,35 @@
           <a:p>
             <a:pPr lvl="0"/>
             <a:r>
-              <a:rPr lang="en-US" smtClean="0"/>
+              <a:rPr lang="en-US"/>
               <a:t>Click to edit Master text styles</a:t>
             </a:r>
           </a:p>
           <a:p>
             <a:pPr lvl="1"/>
             <a:r>
-              <a:rPr lang="en-US" smtClean="0"/>
+              <a:rPr lang="en-US"/>
               <a:t>Second level</a:t>
             </a:r>
           </a:p>
           <a:p>
             <a:pPr lvl="2"/>
             <a:r>
-              <a:rPr lang="en-US" smtClean="0"/>
+              <a:rPr lang="en-US"/>
               <a:t>Third level</a:t>
             </a:r>
           </a:p>
           <a:p>
             <a:pPr lvl="3"/>
             <a:r>
-              <a:rPr lang="en-US" smtClean="0"/>
+              <a:rPr lang="en-US"/>
               <a:t>Fourth level</a:t>
             </a:r>
           </a:p>
           <a:p>
             <a:pPr lvl="4"/>
             <a:r>
-              <a:rPr lang="en-US" smtClean="0"/>
+              <a:rPr lang="en-US"/>
               <a:t>Fifth level</a:t>
             </a:r>
             <a:endParaRPr lang="en-GB"/>
@@ -1656,7 +1672,7 @@
           <a:p>
             <a:pPr lvl="0"/>
             <a:r>
-              <a:rPr lang="en-US" smtClean="0"/>
+              <a:rPr lang="en-US"/>
               <a:t>Click to edit Master text styles</a:t>
             </a:r>
           </a:p>
@@ -1712,35 +1728,35 @@
           <a:p>
             <a:pPr lvl="0"/>
             <a:r>
-              <a:rPr lang="en-US" smtClean="0"/>
+              <a:rPr lang="en-US"/>
               <a:t>Click to edit Master text styles</a:t>
             </a:r>
           </a:p>
           <a:p>
             <a:pPr lvl="1"/>
             <a:r>
-              <a:rPr lang="en-US" smtClean="0"/>
+              <a:rPr lang="en-US"/>
               <a:t>Second level</a:t>
             </a:r>
           </a:p>
           <a:p>
             <a:pPr lvl="2"/>
             <a:r>
-              <a:rPr lang="en-US" smtClean="0"/>
+              <a:rPr lang="en-US"/>
               <a:t>Third level</a:t>
             </a:r>
           </a:p>
           <a:p>
             <a:pPr lvl="3"/>
             <a:r>
-              <a:rPr lang="en-US" smtClean="0"/>
+              <a:rPr lang="en-US"/>
               <a:t>Fourth level</a:t>
             </a:r>
           </a:p>
           <a:p>
             <a:pPr lvl="4"/>
             <a:r>
-              <a:rPr lang="en-US" smtClean="0"/>
+              <a:rPr lang="en-US"/>
               <a:t>Fifth level</a:t>
             </a:r>
             <a:endParaRPr lang="en-GB"/>
@@ -1764,7 +1780,7 @@
           <a:p>
             <a:fld id="{DAB9EAEC-4E48-435E-959A-9D21A8A8915D}" type="datetimeFigureOut">
               <a:rPr lang="en-GB" smtClean="0"/>
-              <a:t>05/04/2017</a:t>
+              <a:t>28/01/2020</a:t>
             </a:fld>
             <a:endParaRPr lang="en-GB"/>
           </a:p>
@@ -1858,7 +1874,7 @@
           <a:lstStyle/>
           <a:p>
             <a:r>
-              <a:rPr lang="en-US" smtClean="0"/>
+              <a:rPr lang="en-US"/>
               <a:t>Click to edit Master title style</a:t>
             </a:r>
             <a:endParaRPr lang="en-GB"/>
@@ -1882,7 +1898,7 @@
           <a:p>
             <a:fld id="{DAB9EAEC-4E48-435E-959A-9D21A8A8915D}" type="datetimeFigureOut">
               <a:rPr lang="en-GB" smtClean="0"/>
-              <a:t>05/04/2017</a:t>
+              <a:t>28/01/2020</a:t>
             </a:fld>
             <a:endParaRPr lang="en-GB"/>
           </a:p>
@@ -1977,7 +1993,7 @@
           <a:p>
             <a:fld id="{DAB9EAEC-4E48-435E-959A-9D21A8A8915D}" type="datetimeFigureOut">
               <a:rPr lang="en-GB" smtClean="0"/>
-              <a:t>05/04/2017</a:t>
+              <a:t>28/01/2020</a:t>
             </a:fld>
             <a:endParaRPr lang="en-GB"/>
           </a:p>
@@ -2080,7 +2096,7 @@
           </a:lstStyle>
           <a:p>
             <a:r>
-              <a:rPr lang="en-US" smtClean="0"/>
+              <a:rPr lang="en-US"/>
               <a:t>Click to edit Master title style</a:t>
             </a:r>
             <a:endParaRPr lang="en-GB"/>
@@ -2137,35 +2153,35 @@
           <a:p>
             <a:pPr lvl="0"/>
             <a:r>
-              <a:rPr lang="en-US" smtClean="0"/>
+              <a:rPr lang="en-US"/>
               <a:t>Click to edit Master text styles</a:t>
             </a:r>
           </a:p>
           <a:p>
             <a:pPr lvl="1"/>
             <a:r>
-              <a:rPr lang="en-US" smtClean="0"/>
+              <a:rPr lang="en-US"/>
               <a:t>Second level</a:t>
             </a:r>
           </a:p>
           <a:p>
             <a:pPr lvl="2"/>
             <a:r>
-              <a:rPr lang="en-US" smtClean="0"/>
+              <a:rPr lang="en-US"/>
               <a:t>Third level</a:t>
             </a:r>
           </a:p>
           <a:p>
             <a:pPr lvl="3"/>
             <a:r>
-              <a:rPr lang="en-US" smtClean="0"/>
+              <a:rPr lang="en-US"/>
               <a:t>Fourth level</a:t>
             </a:r>
           </a:p>
           <a:p>
             <a:pPr lvl="4"/>
             <a:r>
-              <a:rPr lang="en-US" smtClean="0"/>
+              <a:rPr lang="en-US"/>
               <a:t>Fifth level</a:t>
             </a:r>
             <a:endParaRPr lang="en-GB"/>
@@ -2231,7 +2247,7 @@
           <a:p>
             <a:pPr lvl="0"/>
             <a:r>
-              <a:rPr lang="en-US" smtClean="0"/>
+              <a:rPr lang="en-US"/>
               <a:t>Click to edit Master text styles</a:t>
             </a:r>
           </a:p>
@@ -2254,7 +2270,7 @@
           <a:p>
             <a:fld id="{DAB9EAEC-4E48-435E-959A-9D21A8A8915D}" type="datetimeFigureOut">
               <a:rPr lang="en-GB" smtClean="0"/>
-              <a:t>05/04/2017</a:t>
+              <a:t>28/01/2020</a:t>
             </a:fld>
             <a:endParaRPr lang="en-GB"/>
           </a:p>
@@ -2357,7 +2373,7 @@
           </a:lstStyle>
           <a:p>
             <a:r>
-              <a:rPr lang="en-US" smtClean="0"/>
+              <a:rPr lang="en-US"/>
               <a:t>Click to edit Master title style</a:t>
             </a:r>
             <a:endParaRPr lang="en-GB"/>
@@ -2484,7 +2500,7 @@
           <a:p>
             <a:pPr lvl="0"/>
             <a:r>
-              <a:rPr lang="en-US" smtClean="0"/>
+              <a:rPr lang="en-US"/>
               <a:t>Click to edit Master text styles</a:t>
             </a:r>
           </a:p>
@@ -2507,7 +2523,7 @@
           <a:p>
             <a:fld id="{DAB9EAEC-4E48-435E-959A-9D21A8A8915D}" type="datetimeFigureOut">
               <a:rPr lang="en-GB" smtClean="0"/>
-              <a:t>05/04/2017</a:t>
+              <a:t>28/01/2020</a:t>
             </a:fld>
             <a:endParaRPr lang="en-GB"/>
           </a:p>
@@ -2616,7 +2632,7 @@
           <a:lstStyle/>
           <a:p>
             <a:r>
-              <a:rPr lang="en-US" smtClean="0"/>
+              <a:rPr lang="en-US"/>
               <a:t>Click to edit Master title style</a:t>
             </a:r>
             <a:endParaRPr lang="en-GB"/>
@@ -2650,35 +2666,35 @@
           <a:p>
             <a:pPr lvl="0"/>
             <a:r>
-              <a:rPr lang="en-US" smtClean="0"/>
+              <a:rPr lang="en-US"/>
               <a:t>Click to edit Master text styles</a:t>
             </a:r>
           </a:p>
           <a:p>
             <a:pPr lvl="1"/>
             <a:r>
-              <a:rPr lang="en-US" smtClean="0"/>
+              <a:rPr lang="en-US"/>
               <a:t>Second level</a:t>
             </a:r>
           </a:p>
           <a:p>
             <a:pPr lvl="2"/>
             <a:r>
-              <a:rPr lang="en-US" smtClean="0"/>
+              <a:rPr lang="en-US"/>
               <a:t>Third level</a:t>
             </a:r>
           </a:p>
           <a:p>
             <a:pPr lvl="3"/>
             <a:r>
-              <a:rPr lang="en-US" smtClean="0"/>
+              <a:rPr lang="en-US"/>
               <a:t>Fourth level</a:t>
             </a:r>
           </a:p>
           <a:p>
             <a:pPr lvl="4"/>
             <a:r>
-              <a:rPr lang="en-US" smtClean="0"/>
+              <a:rPr lang="en-US"/>
               <a:t>Fifth level</a:t>
             </a:r>
             <a:endParaRPr lang="en-GB"/>
@@ -2720,7 +2736,7 @@
           <a:p>
             <a:fld id="{DAB9EAEC-4E48-435E-959A-9D21A8A8915D}" type="datetimeFigureOut">
               <a:rPr lang="en-GB" smtClean="0"/>
-              <a:t>05/04/2017</a:t>
+              <a:t>28/01/2020</a:t>
             </a:fld>
             <a:endParaRPr lang="en-GB"/>
           </a:p>
@@ -3103,17 +3119,21 @@
         </p:nvSpPr>
         <p:spPr>
           <a:xfrm>
-            <a:off x="251520" y="1124744"/>
+            <a:off x="611560" y="1626987"/>
             <a:ext cx="6264696" cy="3672408"/>
           </a:xfrm>
           <a:prstGeom prst="ellipse">
             <a:avLst/>
           </a:prstGeom>
-          <a:noFill/>
+          <a:solidFill>
+            <a:schemeClr val="accent1">
+              <a:lumMod val="60000"/>
+              <a:lumOff val="40000"/>
+              <a:alpha val="50000"/>
+            </a:schemeClr>
+          </a:solidFill>
           <a:ln w="57150">
-            <a:solidFill>
-              <a:srgbClr val="0070C0"/>
-            </a:solidFill>
+            <a:noFill/>
           </a:ln>
         </p:spPr>
         <p:style>
@@ -3149,17 +3169,19 @@
         </p:nvSpPr>
         <p:spPr>
           <a:xfrm>
-            <a:off x="2699792" y="1916832"/>
+            <a:off x="3707904" y="2419075"/>
             <a:ext cx="4608512" cy="2016224"/>
           </a:xfrm>
           <a:prstGeom prst="ellipse">
             <a:avLst/>
           </a:prstGeom>
-          <a:noFill/>
+          <a:solidFill>
+            <a:schemeClr val="accent3">
+              <a:alpha val="50000"/>
+            </a:schemeClr>
+          </a:solidFill>
           <a:ln w="57150">
-            <a:solidFill>
-              <a:srgbClr val="92D050"/>
-            </a:solidFill>
+            <a:noFill/>
           </a:ln>
         </p:spPr>
         <p:style>
@@ -3195,28 +3217,28 @@
         </p:nvSpPr>
         <p:spPr>
           <a:xfrm>
-            <a:off x="755576" y="5517232"/>
+            <a:off x="539552" y="332656"/>
             <a:ext cx="2664296" cy="936104"/>
           </a:xfrm>
           <a:prstGeom prst="wedgeRoundRectCallout">
             <a:avLst>
-              <a:gd name="adj1" fmla="val 22166"/>
-              <a:gd name="adj2" fmla="val -124356"/>
+              <a:gd name="adj1" fmla="val -1094"/>
+              <a:gd name="adj2" fmla="val 124245"/>
               <a:gd name="adj3" fmla="val 16667"/>
             </a:avLst>
           </a:prstGeom>
         </p:spPr>
         <p:style>
           <a:lnRef idx="2">
-            <a:schemeClr val="accent5">
+            <a:schemeClr val="accent1">
               <a:shade val="50000"/>
             </a:schemeClr>
           </a:lnRef>
           <a:fillRef idx="1">
-            <a:schemeClr val="accent5"/>
+            <a:schemeClr val="accent1"/>
           </a:fillRef>
           <a:effectRef idx="0">
-            <a:schemeClr val="accent5"/>
+            <a:schemeClr val="accent1"/>
           </a:effectRef>
           <a:fontRef idx="minor">
             <a:schemeClr val="lt1"/>
@@ -3228,10 +3250,9 @@
           <a:p>
             <a:pPr algn="ctr"/>
             <a:r>
-              <a:rPr lang="en-GB" sz="2000" dirty="0" smtClean="0"/>
+              <a:rPr lang="en-GB" sz="2000" dirty="0"/>
               <a:t>Functionality of the packaged system</a:t>
             </a:r>
-            <a:endParaRPr lang="en-GB" sz="2000" dirty="0"/>
           </a:p>
         </p:txBody>
       </p:sp>
@@ -3243,13 +3264,13 @@
         </p:nvSpPr>
         <p:spPr>
           <a:xfrm>
-            <a:off x="5436096" y="4725144"/>
+            <a:off x="6156176" y="1050923"/>
             <a:ext cx="2664296" cy="936104"/>
           </a:xfrm>
           <a:prstGeom prst="wedgeRoundRectCallout">
             <a:avLst>
-              <a:gd name="adj1" fmla="val -44311"/>
-              <a:gd name="adj2" fmla="val -134036"/>
+              <a:gd name="adj1" fmla="val 420"/>
+              <a:gd name="adj2" fmla="val 117806"/>
               <a:gd name="adj3" fmla="val 16667"/>
             </a:avLst>
           </a:prstGeom>
@@ -3276,10 +3297,9 @@
           <a:p>
             <a:pPr algn="ctr"/>
             <a:r>
-              <a:rPr lang="en-GB" sz="2000" dirty="0" smtClean="0"/>
+              <a:rPr lang="en-GB" sz="2000" dirty="0"/>
               <a:t>Functionality required by the business</a:t>
             </a:r>
-            <a:endParaRPr lang="en-GB" sz="2000" dirty="0"/>
           </a:p>
         </p:txBody>
       </p:sp>
@@ -3291,13 +3311,13 @@
         </p:nvSpPr>
         <p:spPr>
           <a:xfrm>
-            <a:off x="6192180" y="980728"/>
-            <a:ext cx="2664296" cy="936104"/>
+            <a:off x="6084168" y="5080240"/>
+            <a:ext cx="2664296" cy="941048"/>
           </a:xfrm>
           <a:prstGeom prst="wedgeRoundRectCallout">
             <a:avLst>
-              <a:gd name="adj1" fmla="val -21121"/>
-              <a:gd name="adj2" fmla="val 133488"/>
+              <a:gd name="adj1" fmla="val 837"/>
+              <a:gd name="adj2" fmla="val -159884"/>
               <a:gd name="adj3" fmla="val 16667"/>
             </a:avLst>
           </a:prstGeom>
@@ -3324,10 +3344,62 @@
           <a:p>
             <a:pPr algn="ctr"/>
             <a:r>
-              <a:rPr lang="en-GB" sz="2000" dirty="0" smtClean="0"/>
+              <a:rPr lang="en-GB" sz="2000" dirty="0"/>
               <a:t>Missing functionality, requiring workarounds</a:t>
             </a:r>
-            <a:endParaRPr lang="en-GB" sz="2000" dirty="0"/>
+          </a:p>
+        </p:txBody>
+      </p:sp>
+      <p:sp>
+        <p:nvSpPr>
+          <p:cNvPr id="9" name="Rounded Rectangular Callout 9">
+            <a:extLst>
+              <a:ext uri="{FF2B5EF4-FFF2-40B4-BE49-F238E27FC236}">
+                <a16:creationId xmlns:a16="http://schemas.microsoft.com/office/drawing/2014/main" id="{248AC8D7-E9EE-4B8A-B7F4-FB3B751E80C7}"/>
+              </a:ext>
+            </a:extLst>
+          </p:cNvPr>
+          <p:cNvSpPr/>
+          <p:nvPr/>
+        </p:nvSpPr>
+        <p:spPr>
+          <a:xfrm>
+            <a:off x="935596" y="5589240"/>
+            <a:ext cx="1872208" cy="936104"/>
+          </a:xfrm>
+          <a:prstGeom prst="wedgeRoundRectCallout">
+            <a:avLst>
+              <a:gd name="adj1" fmla="val -288"/>
+              <a:gd name="adj2" fmla="val -166501"/>
+              <a:gd name="adj3" fmla="val 16667"/>
+            </a:avLst>
+          </a:prstGeom>
+        </p:spPr>
+        <p:style>
+          <a:lnRef idx="2">
+            <a:schemeClr val="accent6">
+              <a:shade val="50000"/>
+            </a:schemeClr>
+          </a:lnRef>
+          <a:fillRef idx="1">
+            <a:schemeClr val="accent6"/>
+          </a:fillRef>
+          <a:effectRef idx="0">
+            <a:schemeClr val="accent6"/>
+          </a:effectRef>
+          <a:fontRef idx="minor">
+            <a:schemeClr val="lt1"/>
+          </a:fontRef>
+        </p:style>
+        <p:txBody>
+          <a:bodyPr rtlCol="0" anchor="ctr"/>
+          <a:lstStyle/>
+          <a:p>
+            <a:pPr algn="ctr"/>
+            <a:r>
+              <a:rPr lang="en-GB" sz="2000" dirty="0"/>
+              <a:t>Unnecessary complexity</a:t>
+            </a:r>
           </a:p>
         </p:txBody>
       </p:sp>
